--- a/4 - Offensive Security Tactics for Linux Professionals - External Perimeter Testing.pptx
+++ b/4 - Offensive Security Tactics for Linux Professionals - External Perimeter Testing.pptx
@@ -5,7 +5,7 @@
     <p:sldMasterId id="2147483648" r:id="rId1"/>
   </p:sldMasterIdLst>
   <p:notesMasterIdLst>
-    <p:notesMasterId r:id="rId19"/>
+    <p:notesMasterId r:id="rId22"/>
   </p:notesMasterIdLst>
   <p:sldIdLst>
     <p:sldId id="256" r:id="rId2"/>
@@ -25,6 +25,9 @@
     <p:sldId id="285" r:id="rId16"/>
     <p:sldId id="282" r:id="rId17"/>
     <p:sldId id="284" r:id="rId18"/>
+    <p:sldId id="286" r:id="rId19"/>
+    <p:sldId id="287" r:id="rId20"/>
+    <p:sldId id="288" r:id="rId21"/>
   </p:sldIdLst>
   <p:sldSz cx="12192000" cy="6858000"/>
   <p:notesSz cx="6858000" cy="9144000"/>
@@ -6116,7 +6119,7 @@
           <a:p>
             <a:fld id="{CAC8DC2F-1056-472E-80EB-EAADF9D565BE}" type="datetimeFigureOut">
               <a:rPr lang="en-GB" smtClean="0"/>
-              <a:t>07/04/2022</a:t>
+              <a:t>10/04/2022</a:t>
             </a:fld>
             <a:endParaRPr lang="en-GB"/>
           </a:p>
@@ -6899,7 +6902,7 @@
             <a:fld id="{B61BEF0D-F0BB-DE4B-95CE-6DB70DBA9567}" type="datetimeFigureOut">
               <a:rPr lang="en-US" dirty="0"/>
               <a:pPr/>
-              <a:t>4/7/2022</a:t>
+              <a:t>4/10/2022</a:t>
             </a:fld>
             <a:endParaRPr lang="en-US" dirty="0"/>
           </a:p>
@@ -7158,7 +7161,7 @@
             <a:fld id="{B61BEF0D-F0BB-DE4B-95CE-6DB70DBA9567}" type="datetimeFigureOut">
               <a:rPr lang="en-US" dirty="0"/>
               <a:pPr/>
-              <a:t>4/7/2022</a:t>
+              <a:t>4/10/2022</a:t>
             </a:fld>
             <a:endParaRPr lang="en-US" dirty="0"/>
           </a:p>
@@ -7390,7 +7393,7 @@
             <a:fld id="{B61BEF0D-F0BB-DE4B-95CE-6DB70DBA9567}" type="datetimeFigureOut">
               <a:rPr lang="en-US" dirty="0"/>
               <a:pPr/>
-              <a:t>4/7/2022</a:t>
+              <a:t>4/10/2022</a:t>
             </a:fld>
             <a:endParaRPr lang="en-US" dirty="0"/>
           </a:p>
@@ -7627,7 +7630,7 @@
             <a:fld id="{B61BEF0D-F0BB-DE4B-95CE-6DB70DBA9567}" type="datetimeFigureOut">
               <a:rPr lang="en-US" dirty="0"/>
               <a:pPr/>
-              <a:t>4/7/2022</a:t>
+              <a:t>4/10/2022</a:t>
             </a:fld>
             <a:endParaRPr lang="en-US" dirty="0"/>
           </a:p>
@@ -7931,7 +7934,7 @@
             <a:fld id="{B61BEF0D-F0BB-DE4B-95CE-6DB70DBA9567}" type="datetimeFigureOut">
               <a:rPr lang="en-US" dirty="0"/>
               <a:pPr/>
-              <a:t>4/7/2022</a:t>
+              <a:t>4/10/2022</a:t>
             </a:fld>
             <a:endParaRPr lang="en-US" dirty="0"/>
           </a:p>
@@ -8230,7 +8233,7 @@
             <a:fld id="{B61BEF0D-F0BB-DE4B-95CE-6DB70DBA9567}" type="datetimeFigureOut">
               <a:rPr lang="en-US" dirty="0"/>
               <a:pPr/>
-              <a:t>4/7/2022</a:t>
+              <a:t>4/10/2022</a:t>
             </a:fld>
             <a:endParaRPr lang="en-US" dirty="0"/>
           </a:p>
@@ -8649,7 +8652,7 @@
             <a:fld id="{B61BEF0D-F0BB-DE4B-95CE-6DB70DBA9567}" type="datetimeFigureOut">
               <a:rPr lang="en-US" dirty="0"/>
               <a:pPr/>
-              <a:t>4/7/2022</a:t>
+              <a:t>4/10/2022</a:t>
             </a:fld>
             <a:endParaRPr lang="en-US" dirty="0"/>
           </a:p>
@@ -8808,7 +8811,7 @@
             <a:fld id="{B61BEF0D-F0BB-DE4B-95CE-6DB70DBA9567}" type="datetimeFigureOut">
               <a:rPr lang="en-US" dirty="0"/>
               <a:pPr/>
-              <a:t>4/7/2022</a:t>
+              <a:t>4/10/2022</a:t>
             </a:fld>
             <a:endParaRPr lang="en-US" dirty="0"/>
           </a:p>
@@ -8900,7 +8903,7 @@
             <a:fld id="{B61BEF0D-F0BB-DE4B-95CE-6DB70DBA9567}" type="datetimeFigureOut">
               <a:rPr lang="en-US" dirty="0"/>
               <a:pPr/>
-              <a:t>4/7/2022</a:t>
+              <a:t>4/10/2022</a:t>
             </a:fld>
             <a:endParaRPr lang="en-US" dirty="0"/>
           </a:p>
@@ -9275,7 +9278,7 @@
             <a:fld id="{B61BEF0D-F0BB-DE4B-95CE-6DB70DBA9567}" type="datetimeFigureOut">
               <a:rPr lang="en-US" dirty="0"/>
               <a:pPr/>
-              <a:t>4/7/2022</a:t>
+              <a:t>4/10/2022</a:t>
             </a:fld>
             <a:endParaRPr lang="en-US" dirty="0"/>
           </a:p>
@@ -9561,7 +9564,7 @@
             <a:fld id="{B61BEF0D-F0BB-DE4B-95CE-6DB70DBA9567}" type="datetimeFigureOut">
               <a:rPr lang="en-US" dirty="0"/>
               <a:pPr/>
-              <a:t>4/7/2022</a:t>
+              <a:t>4/10/2022</a:t>
             </a:fld>
             <a:endParaRPr lang="en-US" dirty="0"/>
           </a:p>
@@ -9769,7 +9772,7 @@
             <a:fld id="{B61BEF0D-F0BB-DE4B-95CE-6DB70DBA9567}" type="datetimeFigureOut">
               <a:rPr lang="en-US" dirty="0"/>
               <a:pPr/>
-              <a:t>4/7/2022</a:t>
+              <a:t>4/10/2022</a:t>
             </a:fld>
             <a:endParaRPr lang="en-US" dirty="0"/>
           </a:p>
@@ -13679,6 +13682,970 @@
 </p:sld>
 </file>
 
+<file path=ppt/slides/slide18.xml><?xml version="1.0" encoding="utf-8"?>
+<p:sld xmlns:a="http://schemas.openxmlformats.org/drawingml/2006/main" xmlns:r="http://schemas.openxmlformats.org/officeDocument/2006/relationships" xmlns:p="http://schemas.openxmlformats.org/presentationml/2006/main">
+  <p:cSld>
+    <p:bg>
+      <p:bgPr>
+        <a:solidFill>
+          <a:schemeClr val="bg1"/>
+        </a:solidFill>
+        <a:effectLst/>
+      </p:bgPr>
+    </p:bg>
+    <p:spTree>
+      <p:nvGrpSpPr>
+        <p:cNvPr id="1" name=""/>
+        <p:cNvGrpSpPr/>
+        <p:nvPr/>
+      </p:nvGrpSpPr>
+      <p:grpSpPr>
+        <a:xfrm>
+          <a:off x="0" y="0"/>
+          <a:ext cx="0" cy="0"/>
+          <a:chOff x="0" y="0"/>
+          <a:chExt cx="0" cy="0"/>
+        </a:xfrm>
+      </p:grpSpPr>
+      <p:sp>
+        <p:nvSpPr>
+          <p:cNvPr id="10" name="Rectangle 9">
+            <a:extLst>
+              <a:ext uri="{FF2B5EF4-FFF2-40B4-BE49-F238E27FC236}">
+                <a16:creationId xmlns:a16="http://schemas.microsoft.com/office/drawing/2014/main" id="{DB691D59-8F51-4DD8-AD41-D568D29B08F8}"/>
+              </a:ext>
+              <a:ext uri="{C183D7F6-B498-43B3-948B-1728B52AA6E4}">
+                <adec:decorative xmlns:adec="http://schemas.microsoft.com/office/drawing/2017/decorative" val="1"/>
+              </a:ext>
+            </a:extLst>
+          </p:cNvPr>
+          <p:cNvSpPr>
+            <a:spLocks noGrp="1" noRot="1" noChangeAspect="1" noMove="1" noResize="1" noEditPoints="1" noAdjustHandles="1" noChangeArrowheads="1" noChangeShapeType="1" noTextEdit="1"/>
+          </p:cNvSpPr>
+          <p:nvPr>
+            <p:extLst>
+              <p:ext uri="{386F3935-93C4-4BCD-93E2-E3B085C9AB24}">
+                <p16:designElem xmlns:p16="http://schemas.microsoft.com/office/powerpoint/2015/main" val="1"/>
+              </p:ext>
+            </p:extLst>
+          </p:nvPr>
+        </p:nvSpPr>
+        <p:spPr>
+          <a:xfrm>
+            <a:off x="446534" y="457200"/>
+            <a:ext cx="3703320" cy="94997"/>
+          </a:xfrm>
+          <a:prstGeom prst="rect">
+            <a:avLst/>
+          </a:prstGeom>
+          <a:solidFill>
+            <a:schemeClr val="accent1"/>
+          </a:solidFill>
+          <a:ln>
+            <a:noFill/>
+          </a:ln>
+          <a:effectLst/>
+        </p:spPr>
+        <p:style>
+          <a:lnRef idx="1">
+            <a:schemeClr val="accent1"/>
+          </a:lnRef>
+          <a:fillRef idx="3">
+            <a:schemeClr val="accent1"/>
+          </a:fillRef>
+          <a:effectRef idx="2">
+            <a:schemeClr val="accent1"/>
+          </a:effectRef>
+          <a:fontRef idx="minor">
+            <a:schemeClr val="lt1"/>
+          </a:fontRef>
+        </p:style>
+      </p:sp>
+      <p:sp>
+        <p:nvSpPr>
+          <p:cNvPr id="12" name="Rectangle 11">
+            <a:extLst>
+              <a:ext uri="{FF2B5EF4-FFF2-40B4-BE49-F238E27FC236}">
+                <a16:creationId xmlns:a16="http://schemas.microsoft.com/office/drawing/2014/main" id="{204AEF18-0627-48F3-9B3D-F7E8F050B1D4}"/>
+              </a:ext>
+              <a:ext uri="{C183D7F6-B498-43B3-948B-1728B52AA6E4}">
+                <adec:decorative xmlns:adec="http://schemas.microsoft.com/office/drawing/2017/decorative" val="1"/>
+              </a:ext>
+            </a:extLst>
+          </p:cNvPr>
+          <p:cNvSpPr>
+            <a:spLocks noGrp="1" noRot="1" noChangeAspect="1" noMove="1" noResize="1" noEditPoints="1" noAdjustHandles="1" noChangeArrowheads="1" noChangeShapeType="1" noTextEdit="1"/>
+          </p:cNvSpPr>
+          <p:nvPr>
+            <p:extLst>
+              <p:ext uri="{386F3935-93C4-4BCD-93E2-E3B085C9AB24}">
+                <p16:designElem xmlns:p16="http://schemas.microsoft.com/office/powerpoint/2015/main" val="1"/>
+              </p:ext>
+            </p:extLst>
+          </p:nvPr>
+        </p:nvSpPr>
+        <p:spPr>
+          <a:xfrm>
+            <a:off x="8042147" y="453643"/>
+            <a:ext cx="3703320" cy="98554"/>
+          </a:xfrm>
+          <a:prstGeom prst="rect">
+            <a:avLst/>
+          </a:prstGeom>
+          <a:solidFill>
+            <a:schemeClr val="accent4"/>
+          </a:solidFill>
+          <a:ln>
+            <a:noFill/>
+          </a:ln>
+          <a:effectLst/>
+        </p:spPr>
+        <p:style>
+          <a:lnRef idx="1">
+            <a:schemeClr val="accent1"/>
+          </a:lnRef>
+          <a:fillRef idx="3">
+            <a:schemeClr val="accent1"/>
+          </a:fillRef>
+          <a:effectRef idx="2">
+            <a:schemeClr val="accent1"/>
+          </a:effectRef>
+          <a:fontRef idx="minor">
+            <a:schemeClr val="lt1"/>
+          </a:fontRef>
+        </p:style>
+      </p:sp>
+      <p:sp>
+        <p:nvSpPr>
+          <p:cNvPr id="14" name="Rectangle 13">
+            <a:extLst>
+              <a:ext uri="{FF2B5EF4-FFF2-40B4-BE49-F238E27FC236}">
+                <a16:creationId xmlns:a16="http://schemas.microsoft.com/office/drawing/2014/main" id="{CEAEE08A-C572-438F-9753-B0D527A515A7}"/>
+              </a:ext>
+              <a:ext uri="{C183D7F6-B498-43B3-948B-1728B52AA6E4}">
+                <adec:decorative xmlns:adec="http://schemas.microsoft.com/office/drawing/2017/decorative" val="1"/>
+              </a:ext>
+            </a:extLst>
+          </p:cNvPr>
+          <p:cNvSpPr>
+            <a:spLocks noGrp="1" noRot="1" noChangeAspect="1" noMove="1" noResize="1" noEditPoints="1" noAdjustHandles="1" noChangeArrowheads="1" noChangeShapeType="1" noTextEdit="1"/>
+          </p:cNvSpPr>
+          <p:nvPr>
+            <p:extLst>
+              <p:ext uri="{386F3935-93C4-4BCD-93E2-E3B085C9AB24}">
+                <p16:designElem xmlns:p16="http://schemas.microsoft.com/office/powerpoint/2015/main" val="1"/>
+              </p:ext>
+            </p:extLst>
+          </p:nvPr>
+        </p:nvSpPr>
+        <p:spPr>
+          <a:xfrm>
+            <a:off x="4241830" y="457200"/>
+            <a:ext cx="3703320" cy="91440"/>
+          </a:xfrm>
+          <a:prstGeom prst="rect">
+            <a:avLst/>
+          </a:prstGeom>
+          <a:solidFill>
+            <a:schemeClr val="accent2"/>
+          </a:solidFill>
+          <a:ln>
+            <a:noFill/>
+          </a:ln>
+          <a:effectLst/>
+        </p:spPr>
+        <p:style>
+          <a:lnRef idx="1">
+            <a:schemeClr val="accent1"/>
+          </a:lnRef>
+          <a:fillRef idx="3">
+            <a:schemeClr val="accent1"/>
+          </a:fillRef>
+          <a:effectRef idx="2">
+            <a:schemeClr val="accent1"/>
+          </a:effectRef>
+          <a:fontRef idx="minor">
+            <a:schemeClr val="lt1"/>
+          </a:fontRef>
+        </p:style>
+      </p:sp>
+      <p:sp>
+        <p:nvSpPr>
+          <p:cNvPr id="16" name="Rectangle 15">
+            <a:extLst>
+              <a:ext uri="{FF2B5EF4-FFF2-40B4-BE49-F238E27FC236}">
+                <a16:creationId xmlns:a16="http://schemas.microsoft.com/office/drawing/2014/main" id="{DB93146F-62ED-4C59-844C-0935D0FB5031}"/>
+              </a:ext>
+              <a:ext uri="{C183D7F6-B498-43B3-948B-1728B52AA6E4}">
+                <adec:decorative xmlns:adec="http://schemas.microsoft.com/office/drawing/2017/decorative" val="1"/>
+              </a:ext>
+            </a:extLst>
+          </p:cNvPr>
+          <p:cNvSpPr>
+            <a:spLocks noGrp="1" noRot="1" noChangeAspect="1" noMove="1" noResize="1" noEditPoints="1" noAdjustHandles="1" noChangeArrowheads="1" noChangeShapeType="1" noTextEdit="1"/>
+          </p:cNvSpPr>
+          <p:nvPr>
+            <p:extLst>
+              <p:ext uri="{386F3935-93C4-4BCD-93E2-E3B085C9AB24}">
+                <p16:designElem xmlns:p16="http://schemas.microsoft.com/office/powerpoint/2015/main" val="1"/>
+              </p:ext>
+            </p:extLst>
+          </p:nvPr>
+        </p:nvSpPr>
+        <p:spPr>
+          <a:xfrm>
+            <a:off x="446534" y="3085765"/>
+            <a:ext cx="11262866" cy="3304800"/>
+          </a:xfrm>
+          <a:prstGeom prst="rect">
+            <a:avLst/>
+          </a:prstGeom>
+          <a:solidFill>
+            <a:schemeClr val="accent1"/>
+          </a:solidFill>
+          <a:ln>
+            <a:noFill/>
+          </a:ln>
+          <a:effectLst/>
+        </p:spPr>
+        <p:style>
+          <a:lnRef idx="1">
+            <a:schemeClr val="accent1"/>
+          </a:lnRef>
+          <a:fillRef idx="3">
+            <a:schemeClr val="accent1"/>
+          </a:fillRef>
+          <a:effectRef idx="2">
+            <a:schemeClr val="accent1"/>
+          </a:effectRef>
+          <a:fontRef idx="minor">
+            <a:schemeClr val="lt1"/>
+          </a:fontRef>
+        </p:style>
+      </p:sp>
+      <p:sp useBgFill="1">
+        <p:nvSpPr>
+          <p:cNvPr id="18" name="Rectangle 17">
+            <a:extLst>
+              <a:ext uri="{FF2B5EF4-FFF2-40B4-BE49-F238E27FC236}">
+                <a16:creationId xmlns:a16="http://schemas.microsoft.com/office/drawing/2014/main" id="{BF3D65BA-1C65-40FB-92EF-83951BDC1D7C}"/>
+              </a:ext>
+              <a:ext uri="{C183D7F6-B498-43B3-948B-1728B52AA6E4}">
+                <adec:decorative xmlns:adec="http://schemas.microsoft.com/office/drawing/2017/decorative" val="1"/>
+              </a:ext>
+            </a:extLst>
+          </p:cNvPr>
+          <p:cNvSpPr>
+            <a:spLocks noGrp="1" noRot="1" noChangeAspect="1" noMove="1" noResize="1" noEditPoints="1" noAdjustHandles="1" noChangeArrowheads="1" noChangeShapeType="1" noTextEdit="1"/>
+          </p:cNvSpPr>
+          <p:nvPr>
+            <p:extLst>
+              <p:ext uri="{386F3935-93C4-4BCD-93E2-E3B085C9AB24}">
+                <p16:designElem xmlns:p16="http://schemas.microsoft.com/office/powerpoint/2015/main" val="1"/>
+              </p:ext>
+            </p:extLst>
+          </p:nvPr>
+        </p:nvSpPr>
+        <p:spPr>
+          <a:xfrm>
+            <a:off x="0" y="638175"/>
+            <a:ext cx="12191999" cy="6219825"/>
+          </a:xfrm>
+          <a:prstGeom prst="rect">
+            <a:avLst/>
+          </a:prstGeom>
+          <a:ln>
+            <a:noFill/>
+          </a:ln>
+        </p:spPr>
+        <p:style>
+          <a:lnRef idx="2">
+            <a:schemeClr val="accent1">
+              <a:shade val="50000"/>
+            </a:schemeClr>
+          </a:lnRef>
+          <a:fillRef idx="1">
+            <a:schemeClr val="accent1"/>
+          </a:fillRef>
+          <a:effectRef idx="0">
+            <a:schemeClr val="accent1"/>
+          </a:effectRef>
+          <a:fontRef idx="minor">
+            <a:schemeClr val="lt1"/>
+          </a:fontRef>
+        </p:style>
+        <p:txBody>
+          <a:bodyPr rtlCol="0" anchor="ctr"/>
+          <a:lstStyle/>
+          <a:p>
+            <a:pPr algn="ctr"/>
+            <a:endParaRPr lang="en-US"/>
+          </a:p>
+        </p:txBody>
+      </p:sp>
+      <p:pic>
+        <p:nvPicPr>
+          <p:cNvPr id="7" name="Graphic 6" descr="Help">
+            <a:extLst>
+              <a:ext uri="{FF2B5EF4-FFF2-40B4-BE49-F238E27FC236}">
+                <a16:creationId xmlns:a16="http://schemas.microsoft.com/office/drawing/2014/main" id="{5E19C61A-76B3-BF3E-C0F3-60044C5C26A2}"/>
+              </a:ext>
+            </a:extLst>
+          </p:cNvPr>
+          <p:cNvPicPr>
+            <a:picLocks noChangeAspect="1"/>
+          </p:cNvPicPr>
+          <p:nvPr/>
+        </p:nvPicPr>
+        <p:blipFill>
+          <a:blip r:embed="rId2">
+            <a:extLst>
+              <a:ext uri="{28A0092B-C50C-407E-A947-70E740481C1C}">
+                <a14:useLocalDpi xmlns:a14="http://schemas.microsoft.com/office/drawing/2010/main" val="0"/>
+              </a:ext>
+              <a:ext uri="{96DAC541-7B7A-43D3-8B79-37D633B846F1}">
+                <asvg:svgBlip xmlns:asvg="http://schemas.microsoft.com/office/drawing/2016/SVG/main" r:embed="rId3"/>
+              </a:ext>
+            </a:extLst>
+          </a:blip>
+          <a:stretch>
+            <a:fillRect/>
+          </a:stretch>
+        </p:blipFill>
+        <p:spPr>
+          <a:xfrm>
+            <a:off x="1673502" y="1047665"/>
+            <a:ext cx="5030386" cy="5030386"/>
+          </a:xfrm>
+          <a:prstGeom prst="rect">
+            <a:avLst/>
+          </a:prstGeom>
+        </p:spPr>
+      </p:pic>
+      <p:sp>
+        <p:nvSpPr>
+          <p:cNvPr id="20" name="Rectangle 19">
+            <a:extLst>
+              <a:ext uri="{FF2B5EF4-FFF2-40B4-BE49-F238E27FC236}">
+                <a16:creationId xmlns:a16="http://schemas.microsoft.com/office/drawing/2014/main" id="{ADF52CCA-FCDD-49A0-BFFC-3BD41F1B827A}"/>
+              </a:ext>
+              <a:ext uri="{C183D7F6-B498-43B3-948B-1728B52AA6E4}">
+                <adec:decorative xmlns:adec="http://schemas.microsoft.com/office/drawing/2017/decorative" val="1"/>
+              </a:ext>
+            </a:extLst>
+          </p:cNvPr>
+          <p:cNvSpPr>
+            <a:spLocks noGrp="1" noRot="1" noChangeAspect="1" noMove="1" noResize="1" noEditPoints="1" noAdjustHandles="1" noChangeArrowheads="1" noChangeShapeType="1" noTextEdit="1"/>
+          </p:cNvSpPr>
+          <p:nvPr>
+            <p:extLst>
+              <p:ext uri="{386F3935-93C4-4BCD-93E2-E3B085C9AB24}">
+                <p16:designElem xmlns:p16="http://schemas.microsoft.com/office/powerpoint/2015/main" val="1"/>
+              </p:ext>
+            </p:extLst>
+          </p:nvPr>
+        </p:nvSpPr>
+        <p:spPr>
+          <a:xfrm>
+            <a:off x="8042147" y="723899"/>
+            <a:ext cx="3703320" cy="5666666"/>
+          </a:xfrm>
+          <a:prstGeom prst="rect">
+            <a:avLst/>
+          </a:prstGeom>
+          <a:solidFill>
+            <a:schemeClr val="accent1"/>
+          </a:solidFill>
+          <a:ln>
+            <a:noFill/>
+          </a:ln>
+          <a:effectLst/>
+        </p:spPr>
+        <p:style>
+          <a:lnRef idx="1">
+            <a:schemeClr val="accent1"/>
+          </a:lnRef>
+          <a:fillRef idx="3">
+            <a:schemeClr val="accent1"/>
+          </a:fillRef>
+          <a:effectRef idx="2">
+            <a:schemeClr val="accent1"/>
+          </a:effectRef>
+          <a:fontRef idx="minor">
+            <a:schemeClr val="lt1"/>
+          </a:fontRef>
+        </p:style>
+      </p:sp>
+      <p:sp>
+        <p:nvSpPr>
+          <p:cNvPr id="2" name="Title 1">
+            <a:extLst>
+              <a:ext uri="{FF2B5EF4-FFF2-40B4-BE49-F238E27FC236}">
+                <a16:creationId xmlns:a16="http://schemas.microsoft.com/office/drawing/2014/main" id="{F31AF79D-9A79-465A-B3DF-3FCF7FB51B94}"/>
+              </a:ext>
+            </a:extLst>
+          </p:cNvPr>
+          <p:cNvSpPr>
+            <a:spLocks noGrp="1"/>
+          </p:cNvSpPr>
+          <p:nvPr>
+            <p:ph type="title"/>
+          </p:nvPr>
+        </p:nvSpPr>
+        <p:spPr>
+          <a:xfrm>
+            <a:off x="8296275" y="1419225"/>
+            <a:ext cx="3081576" cy="2085869"/>
+          </a:xfrm>
+        </p:spPr>
+        <p:txBody>
+          <a:bodyPr vert="horz" lIns="91440" tIns="45720" rIns="91440" bIns="45720" rtlCol="0" anchor="b">
+            <a:normAutofit/>
+          </a:bodyPr>
+          <a:lstStyle/>
+          <a:p>
+            <a:r>
+              <a:rPr lang="en-US" sz="3600" dirty="0">
+                <a:solidFill>
+                  <a:srgbClr val="FFFFFF"/>
+                </a:solidFill>
+              </a:rPr>
+              <a:t>Questions</a:t>
+            </a:r>
+          </a:p>
+        </p:txBody>
+      </p:sp>
+    </p:spTree>
+    <p:extLst>
+      <p:ext uri="{BB962C8B-B14F-4D97-AF65-F5344CB8AC3E}">
+        <p14:creationId xmlns:p14="http://schemas.microsoft.com/office/powerpoint/2010/main" val="3928049741"/>
+      </p:ext>
+    </p:extLst>
+  </p:cSld>
+  <p:clrMapOvr>
+    <a:masterClrMapping/>
+  </p:clrMapOvr>
+</p:sld>
+</file>
+
+<file path=ppt/slides/slide19.xml><?xml version="1.0" encoding="utf-8"?>
+<p:sld xmlns:a="http://schemas.openxmlformats.org/drawingml/2006/main" xmlns:r="http://schemas.openxmlformats.org/officeDocument/2006/relationships" xmlns:p="http://schemas.openxmlformats.org/presentationml/2006/main">
+  <p:cSld>
+    <p:bg>
+      <p:bgPr>
+        <a:solidFill>
+          <a:schemeClr val="bg1"/>
+        </a:solidFill>
+        <a:effectLst/>
+      </p:bgPr>
+    </p:bg>
+    <p:spTree>
+      <p:nvGrpSpPr>
+        <p:cNvPr id="1" name=""/>
+        <p:cNvGrpSpPr/>
+        <p:nvPr/>
+      </p:nvGrpSpPr>
+      <p:grpSpPr>
+        <a:xfrm>
+          <a:off x="0" y="0"/>
+          <a:ext cx="0" cy="0"/>
+          <a:chOff x="0" y="0"/>
+          <a:chExt cx="0" cy="0"/>
+        </a:xfrm>
+      </p:grpSpPr>
+      <p:sp>
+        <p:nvSpPr>
+          <p:cNvPr id="8" name="Rectangle 7">
+            <a:extLst>
+              <a:ext uri="{FF2B5EF4-FFF2-40B4-BE49-F238E27FC236}">
+                <a16:creationId xmlns:a16="http://schemas.microsoft.com/office/drawing/2014/main" id="{E9AA9F65-94B8-41A5-A7FF-23D2CFB116BB}"/>
+              </a:ext>
+              <a:ext uri="{C183D7F6-B498-43B3-948B-1728B52AA6E4}">
+                <adec:decorative xmlns:adec="http://schemas.microsoft.com/office/drawing/2017/decorative" val="1"/>
+              </a:ext>
+            </a:extLst>
+          </p:cNvPr>
+          <p:cNvSpPr>
+            <a:spLocks noGrp="1" noRot="1" noChangeAspect="1" noMove="1" noResize="1" noEditPoints="1" noAdjustHandles="1" noChangeArrowheads="1" noChangeShapeType="1" noTextEdit="1"/>
+          </p:cNvSpPr>
+          <p:nvPr>
+            <p:extLst>
+              <p:ext uri="{386F3935-93C4-4BCD-93E2-E3B085C9AB24}">
+                <p16:designElem xmlns:p16="http://schemas.microsoft.com/office/powerpoint/2015/main" val="1"/>
+              </p:ext>
+            </p:extLst>
+          </p:nvPr>
+        </p:nvSpPr>
+        <p:spPr>
+          <a:xfrm>
+            <a:off x="446534" y="457200"/>
+            <a:ext cx="3703320" cy="94997"/>
+          </a:xfrm>
+          <a:prstGeom prst="rect">
+            <a:avLst/>
+          </a:prstGeom>
+          <a:solidFill>
+            <a:schemeClr val="accent1"/>
+          </a:solidFill>
+          <a:ln>
+            <a:noFill/>
+          </a:ln>
+          <a:effectLst/>
+        </p:spPr>
+        <p:style>
+          <a:lnRef idx="1">
+            <a:schemeClr val="accent1"/>
+          </a:lnRef>
+          <a:fillRef idx="3">
+            <a:schemeClr val="accent1"/>
+          </a:fillRef>
+          <a:effectRef idx="2">
+            <a:schemeClr val="accent1"/>
+          </a:effectRef>
+          <a:fontRef idx="minor">
+            <a:schemeClr val="lt1"/>
+          </a:fontRef>
+        </p:style>
+      </p:sp>
+      <p:sp>
+        <p:nvSpPr>
+          <p:cNvPr id="10" name="Rectangle 9">
+            <a:extLst>
+              <a:ext uri="{FF2B5EF4-FFF2-40B4-BE49-F238E27FC236}">
+                <a16:creationId xmlns:a16="http://schemas.microsoft.com/office/drawing/2014/main" id="{7E8B0F8E-3F6C-4541-B9C1-774D80A08834}"/>
+              </a:ext>
+              <a:ext uri="{C183D7F6-B498-43B3-948B-1728B52AA6E4}">
+                <adec:decorative xmlns:adec="http://schemas.microsoft.com/office/drawing/2017/decorative" val="1"/>
+              </a:ext>
+            </a:extLst>
+          </p:cNvPr>
+          <p:cNvSpPr>
+            <a:spLocks noGrp="1" noRot="1" noChangeAspect="1" noMove="1" noResize="1" noEditPoints="1" noAdjustHandles="1" noChangeArrowheads="1" noChangeShapeType="1" noTextEdit="1"/>
+          </p:cNvSpPr>
+          <p:nvPr>
+            <p:extLst>
+              <p:ext uri="{386F3935-93C4-4BCD-93E2-E3B085C9AB24}">
+                <p16:designElem xmlns:p16="http://schemas.microsoft.com/office/powerpoint/2015/main" val="1"/>
+              </p:ext>
+            </p:extLst>
+          </p:nvPr>
+        </p:nvSpPr>
+        <p:spPr>
+          <a:xfrm>
+            <a:off x="8042147" y="453643"/>
+            <a:ext cx="3703320" cy="98554"/>
+          </a:xfrm>
+          <a:prstGeom prst="rect">
+            <a:avLst/>
+          </a:prstGeom>
+          <a:solidFill>
+            <a:schemeClr val="accent4"/>
+          </a:solidFill>
+          <a:ln>
+            <a:noFill/>
+          </a:ln>
+          <a:effectLst/>
+        </p:spPr>
+        <p:style>
+          <a:lnRef idx="1">
+            <a:schemeClr val="accent1"/>
+          </a:lnRef>
+          <a:fillRef idx="3">
+            <a:schemeClr val="accent1"/>
+          </a:fillRef>
+          <a:effectRef idx="2">
+            <a:schemeClr val="accent1"/>
+          </a:effectRef>
+          <a:fontRef idx="minor">
+            <a:schemeClr val="lt1"/>
+          </a:fontRef>
+        </p:style>
+      </p:sp>
+      <p:sp>
+        <p:nvSpPr>
+          <p:cNvPr id="12" name="Rectangle 11">
+            <a:extLst>
+              <a:ext uri="{FF2B5EF4-FFF2-40B4-BE49-F238E27FC236}">
+                <a16:creationId xmlns:a16="http://schemas.microsoft.com/office/drawing/2014/main" id="{7A45F5BC-32D1-41CD-B270-C46F18CA1ACC}"/>
+              </a:ext>
+              <a:ext uri="{C183D7F6-B498-43B3-948B-1728B52AA6E4}">
+                <adec:decorative xmlns:adec="http://schemas.microsoft.com/office/drawing/2017/decorative" val="1"/>
+              </a:ext>
+            </a:extLst>
+          </p:cNvPr>
+          <p:cNvSpPr>
+            <a:spLocks noGrp="1" noRot="1" noChangeAspect="1" noMove="1" noResize="1" noEditPoints="1" noAdjustHandles="1" noChangeArrowheads="1" noChangeShapeType="1" noTextEdit="1"/>
+          </p:cNvSpPr>
+          <p:nvPr>
+            <p:extLst>
+              <p:ext uri="{386F3935-93C4-4BCD-93E2-E3B085C9AB24}">
+                <p16:designElem xmlns:p16="http://schemas.microsoft.com/office/powerpoint/2015/main" val="1"/>
+              </p:ext>
+            </p:extLst>
+          </p:nvPr>
+        </p:nvSpPr>
+        <p:spPr>
+          <a:xfrm>
+            <a:off x="4241830" y="457200"/>
+            <a:ext cx="3703320" cy="91440"/>
+          </a:xfrm>
+          <a:prstGeom prst="rect">
+            <a:avLst/>
+          </a:prstGeom>
+          <a:solidFill>
+            <a:schemeClr val="accent2"/>
+          </a:solidFill>
+          <a:ln>
+            <a:noFill/>
+          </a:ln>
+          <a:effectLst/>
+        </p:spPr>
+        <p:style>
+          <a:lnRef idx="1">
+            <a:schemeClr val="accent1"/>
+          </a:lnRef>
+          <a:fillRef idx="3">
+            <a:schemeClr val="accent1"/>
+          </a:fillRef>
+          <a:effectRef idx="2">
+            <a:schemeClr val="accent1"/>
+          </a:effectRef>
+          <a:fontRef idx="minor">
+            <a:schemeClr val="lt1"/>
+          </a:fontRef>
+        </p:style>
+      </p:sp>
+      <p:sp>
+        <p:nvSpPr>
+          <p:cNvPr id="14" name="Rectangle 13">
+            <a:extLst>
+              <a:ext uri="{FF2B5EF4-FFF2-40B4-BE49-F238E27FC236}">
+                <a16:creationId xmlns:a16="http://schemas.microsoft.com/office/drawing/2014/main" id="{CE57EE13-72B0-4FFA-ACE1-EBDE89340E47}"/>
+              </a:ext>
+              <a:ext uri="{C183D7F6-B498-43B3-948B-1728B52AA6E4}">
+                <adec:decorative xmlns:adec="http://schemas.microsoft.com/office/drawing/2017/decorative" val="1"/>
+              </a:ext>
+            </a:extLst>
+          </p:cNvPr>
+          <p:cNvSpPr>
+            <a:spLocks noGrp="1" noRot="1" noChangeAspect="1" noMove="1" noResize="1" noEditPoints="1" noAdjustHandles="1" noChangeArrowheads="1" noChangeShapeType="1" noTextEdit="1"/>
+          </p:cNvSpPr>
+          <p:nvPr>
+            <p:extLst>
+              <p:ext uri="{386F3935-93C4-4BCD-93E2-E3B085C9AB24}">
+                <p16:designElem xmlns:p16="http://schemas.microsoft.com/office/powerpoint/2015/main" val="1"/>
+              </p:ext>
+            </p:extLst>
+          </p:nvPr>
+        </p:nvSpPr>
+        <p:spPr>
+          <a:xfrm>
+            <a:off x="446534" y="3085765"/>
+            <a:ext cx="11262866" cy="3304800"/>
+          </a:xfrm>
+          <a:prstGeom prst="rect">
+            <a:avLst/>
+          </a:prstGeom>
+          <a:solidFill>
+            <a:schemeClr val="accent1"/>
+          </a:solidFill>
+          <a:ln>
+            <a:noFill/>
+          </a:ln>
+          <a:effectLst/>
+        </p:spPr>
+        <p:style>
+          <a:lnRef idx="1">
+            <a:schemeClr val="accent1"/>
+          </a:lnRef>
+          <a:fillRef idx="3">
+            <a:schemeClr val="accent1"/>
+          </a:fillRef>
+          <a:effectRef idx="2">
+            <a:schemeClr val="accent1"/>
+          </a:effectRef>
+          <a:fontRef idx="minor">
+            <a:schemeClr val="lt1"/>
+          </a:fontRef>
+        </p:style>
+      </p:sp>
+      <p:sp useBgFill="1">
+        <p:nvSpPr>
+          <p:cNvPr id="16" name="Rectangle 15">
+            <a:extLst>
+              <a:ext uri="{FF2B5EF4-FFF2-40B4-BE49-F238E27FC236}">
+                <a16:creationId xmlns:a16="http://schemas.microsoft.com/office/drawing/2014/main" id="{34BFB7C5-23B6-4047-BF5E-F9EEBB437CD0}"/>
+              </a:ext>
+              <a:ext uri="{C183D7F6-B498-43B3-948B-1728B52AA6E4}">
+                <adec:decorative xmlns:adec="http://schemas.microsoft.com/office/drawing/2017/decorative" val="1"/>
+              </a:ext>
+            </a:extLst>
+          </p:cNvPr>
+          <p:cNvSpPr>
+            <a:spLocks noGrp="1" noRot="1" noChangeAspect="1" noMove="1" noResize="1" noEditPoints="1" noAdjustHandles="1" noChangeArrowheads="1" noChangeShapeType="1" noTextEdit="1"/>
+          </p:cNvSpPr>
+          <p:nvPr>
+            <p:extLst>
+              <p:ext uri="{386F3935-93C4-4BCD-93E2-E3B085C9AB24}">
+                <p16:designElem xmlns:p16="http://schemas.microsoft.com/office/powerpoint/2015/main" val="1"/>
+              </p:ext>
+            </p:extLst>
+          </p:nvPr>
+        </p:nvSpPr>
+        <p:spPr>
+          <a:xfrm>
+            <a:off x="0" y="0"/>
+            <a:ext cx="12192000" cy="6858000"/>
+          </a:xfrm>
+          <a:prstGeom prst="rect">
+            <a:avLst/>
+          </a:prstGeom>
+          <a:ln>
+            <a:noFill/>
+          </a:ln>
+        </p:spPr>
+        <p:style>
+          <a:lnRef idx="2">
+            <a:schemeClr val="accent1">
+              <a:shade val="50000"/>
+            </a:schemeClr>
+          </a:lnRef>
+          <a:fillRef idx="1">
+            <a:schemeClr val="accent1"/>
+          </a:fillRef>
+          <a:effectRef idx="0">
+            <a:schemeClr val="accent1"/>
+          </a:effectRef>
+          <a:fontRef idx="minor">
+            <a:schemeClr val="lt1"/>
+          </a:fontRef>
+        </p:style>
+        <p:txBody>
+          <a:bodyPr rtlCol="0" anchor="ctr"/>
+          <a:lstStyle/>
+          <a:p>
+            <a:pPr algn="ctr"/>
+            <a:endParaRPr lang="en-US"/>
+          </a:p>
+        </p:txBody>
+      </p:sp>
+      <p:sp>
+        <p:nvSpPr>
+          <p:cNvPr id="18" name="Rectangle 17">
+            <a:extLst>
+              <a:ext uri="{FF2B5EF4-FFF2-40B4-BE49-F238E27FC236}">
+                <a16:creationId xmlns:a16="http://schemas.microsoft.com/office/drawing/2014/main" id="{D37DA931-62D6-4B32-9103-84C0960AEA6D}"/>
+              </a:ext>
+              <a:ext uri="{C183D7F6-B498-43B3-948B-1728B52AA6E4}">
+                <adec:decorative xmlns:adec="http://schemas.microsoft.com/office/drawing/2017/decorative" val="1"/>
+              </a:ext>
+            </a:extLst>
+          </p:cNvPr>
+          <p:cNvSpPr>
+            <a:spLocks noGrp="1" noRot="1" noChangeAspect="1" noMove="1" noResize="1" noEditPoints="1" noAdjustHandles="1" noChangeArrowheads="1" noChangeShapeType="1" noTextEdit="1"/>
+          </p:cNvSpPr>
+          <p:nvPr>
+            <p:extLst>
+              <p:ext uri="{386F3935-93C4-4BCD-93E2-E3B085C9AB24}">
+                <p16:designElem xmlns:p16="http://schemas.microsoft.com/office/powerpoint/2015/main" val="1"/>
+              </p:ext>
+            </p:extLst>
+          </p:nvPr>
+        </p:nvSpPr>
+        <p:spPr>
+          <a:xfrm>
+            <a:off x="1784420" y="457200"/>
+            <a:ext cx="6248454" cy="5859736"/>
+          </a:xfrm>
+          <a:prstGeom prst="rect">
+            <a:avLst/>
+          </a:prstGeom>
+          <a:solidFill>
+            <a:schemeClr val="accent1"/>
+          </a:solidFill>
+          <a:ln>
+            <a:noFill/>
+          </a:ln>
+          <a:effectLst/>
+        </p:spPr>
+        <p:style>
+          <a:lnRef idx="1">
+            <a:schemeClr val="accent1"/>
+          </a:lnRef>
+          <a:fillRef idx="3">
+            <a:schemeClr val="accent1"/>
+          </a:fillRef>
+          <a:effectRef idx="2">
+            <a:schemeClr val="accent1"/>
+          </a:effectRef>
+          <a:fontRef idx="minor">
+            <a:schemeClr val="lt1"/>
+          </a:fontRef>
+        </p:style>
+      </p:sp>
+      <p:sp>
+        <p:nvSpPr>
+          <p:cNvPr id="2" name="Title 1">
+            <a:extLst>
+              <a:ext uri="{FF2B5EF4-FFF2-40B4-BE49-F238E27FC236}">
+                <a16:creationId xmlns:a16="http://schemas.microsoft.com/office/drawing/2014/main" id="{1ACD853A-8756-40D6-925B-9CD5622BA0F7}"/>
+              </a:ext>
+            </a:extLst>
+          </p:cNvPr>
+          <p:cNvSpPr>
+            <a:spLocks noGrp="1"/>
+          </p:cNvSpPr>
+          <p:nvPr>
+            <p:ph type="title"/>
+          </p:nvPr>
+        </p:nvSpPr>
+        <p:spPr>
+          <a:xfrm>
+            <a:off x="2156346" y="849745"/>
+            <a:ext cx="5526993" cy="4745836"/>
+          </a:xfrm>
+        </p:spPr>
+        <p:txBody>
+          <a:bodyPr vert="horz" lIns="91440" tIns="45720" rIns="91440" bIns="45720" rtlCol="0" anchor="ctr">
+            <a:normAutofit/>
+          </a:bodyPr>
+          <a:lstStyle/>
+          <a:p>
+            <a:pPr algn="ctr"/>
+            <a:r>
+              <a:rPr lang="en-US" sz="6000" dirty="0">
+                <a:solidFill>
+                  <a:srgbClr val="FFFFFF"/>
+                </a:solidFill>
+              </a:rPr>
+              <a:t>Next talk: Client Side Attacks</a:t>
+            </a:r>
+          </a:p>
+        </p:txBody>
+      </p:sp>
+      <p:sp>
+        <p:nvSpPr>
+          <p:cNvPr id="20" name="Rectangle 19">
+            <a:extLst>
+              <a:ext uri="{FF2B5EF4-FFF2-40B4-BE49-F238E27FC236}">
+                <a16:creationId xmlns:a16="http://schemas.microsoft.com/office/drawing/2014/main" id="{4695E140-9B6E-43E9-B17E-CDFE3FCA8AFB}"/>
+              </a:ext>
+              <a:ext uri="{C183D7F6-B498-43B3-948B-1728B52AA6E4}">
+                <adec:decorative xmlns:adec="http://schemas.microsoft.com/office/drawing/2017/decorative" val="1"/>
+              </a:ext>
+            </a:extLst>
+          </p:cNvPr>
+          <p:cNvSpPr>
+            <a:spLocks noGrp="1" noRot="1" noChangeAspect="1" noMove="1" noResize="1" noEditPoints="1" noAdjustHandles="1" noChangeArrowheads="1" noChangeShapeType="1" noTextEdit="1"/>
+          </p:cNvSpPr>
+          <p:nvPr>
+            <p:extLst>
+              <p:ext uri="{386F3935-93C4-4BCD-93E2-E3B085C9AB24}">
+                <p16:designElem xmlns:p16="http://schemas.microsoft.com/office/powerpoint/2015/main" val="1"/>
+              </p:ext>
+            </p:extLst>
+          </p:nvPr>
+        </p:nvSpPr>
+        <p:spPr>
+          <a:xfrm>
+            <a:off x="8129872" y="453642"/>
+            <a:ext cx="3615595" cy="5863293"/>
+          </a:xfrm>
+          <a:prstGeom prst="rect">
+            <a:avLst/>
+          </a:prstGeom>
+          <a:solidFill>
+            <a:schemeClr val="accent4">
+              <a:lumMod val="75000"/>
+            </a:schemeClr>
+          </a:solidFill>
+          <a:ln>
+            <a:noFill/>
+          </a:ln>
+          <a:effectLst/>
+        </p:spPr>
+        <p:style>
+          <a:lnRef idx="1">
+            <a:schemeClr val="accent1"/>
+          </a:lnRef>
+          <a:fillRef idx="3">
+            <a:schemeClr val="accent1"/>
+          </a:fillRef>
+          <a:effectRef idx="2">
+            <a:schemeClr val="accent1"/>
+          </a:effectRef>
+          <a:fontRef idx="minor">
+            <a:schemeClr val="lt1"/>
+          </a:fontRef>
+        </p:style>
+      </p:sp>
+      <p:sp>
+        <p:nvSpPr>
+          <p:cNvPr id="22" name="Rectangle 21">
+            <a:extLst>
+              <a:ext uri="{FF2B5EF4-FFF2-40B4-BE49-F238E27FC236}">
+                <a16:creationId xmlns:a16="http://schemas.microsoft.com/office/drawing/2014/main" id="{FBC3CD9F-A361-4496-A6E0-24338B2A6901}"/>
+              </a:ext>
+              <a:ext uri="{C183D7F6-B498-43B3-948B-1728B52AA6E4}">
+                <adec:decorative xmlns:adec="http://schemas.microsoft.com/office/drawing/2017/decorative" val="1"/>
+              </a:ext>
+            </a:extLst>
+          </p:cNvPr>
+          <p:cNvSpPr>
+            <a:spLocks noGrp="1" noRot="1" noChangeAspect="1" noMove="1" noResize="1" noEditPoints="1" noAdjustHandles="1" noChangeArrowheads="1" noChangeShapeType="1" noTextEdit="1"/>
+          </p:cNvSpPr>
+          <p:nvPr>
+            <p:extLst>
+              <p:ext uri="{386F3935-93C4-4BCD-93E2-E3B085C9AB24}">
+                <p16:designElem xmlns:p16="http://schemas.microsoft.com/office/powerpoint/2015/main" val="1"/>
+              </p:ext>
+            </p:extLst>
+          </p:nvPr>
+        </p:nvSpPr>
+        <p:spPr>
+          <a:xfrm>
+            <a:off x="581191" y="457201"/>
+            <a:ext cx="1106164" cy="5859735"/>
+          </a:xfrm>
+          <a:prstGeom prst="rect">
+            <a:avLst/>
+          </a:prstGeom>
+          <a:solidFill>
+            <a:schemeClr val="accent2"/>
+          </a:solidFill>
+          <a:ln>
+            <a:noFill/>
+          </a:ln>
+          <a:effectLst/>
+        </p:spPr>
+        <p:style>
+          <a:lnRef idx="1">
+            <a:schemeClr val="accent1"/>
+          </a:lnRef>
+          <a:fillRef idx="3">
+            <a:schemeClr val="accent1"/>
+          </a:fillRef>
+          <a:effectRef idx="2">
+            <a:schemeClr val="accent1"/>
+          </a:effectRef>
+          <a:fontRef idx="minor">
+            <a:schemeClr val="lt1"/>
+          </a:fontRef>
+        </p:style>
+      </p:sp>
+    </p:spTree>
+    <p:extLst>
+      <p:ext uri="{BB962C8B-B14F-4D97-AF65-F5344CB8AC3E}">
+        <p14:creationId xmlns:p14="http://schemas.microsoft.com/office/powerpoint/2010/main" val="1243514420"/>
+      </p:ext>
+    </p:extLst>
+  </p:cSld>
+  <p:clrMapOvr>
+    <a:masterClrMapping/>
+  </p:clrMapOvr>
+</p:sld>
+</file>
+
 <file path=ppt/slides/slide2.xml><?xml version="1.0" encoding="utf-8"?>
 <p:sld xmlns:a="http://schemas.openxmlformats.org/drawingml/2006/main" xmlns:r="http://schemas.openxmlformats.org/officeDocument/2006/relationships" xmlns:p="http://schemas.openxmlformats.org/presentationml/2006/main">
   <p:cSld>
@@ -13976,6 +14943,109 @@
     <p:extLst>
       <p:ext uri="{BB962C8B-B14F-4D97-AF65-F5344CB8AC3E}">
         <p14:creationId xmlns:p14="http://schemas.microsoft.com/office/powerpoint/2010/main" val="3944601306"/>
+      </p:ext>
+    </p:extLst>
+  </p:cSld>
+  <p:clrMapOvr>
+    <a:masterClrMapping/>
+  </p:clrMapOvr>
+</p:sld>
+</file>
+
+<file path=ppt/slides/slide20.xml><?xml version="1.0" encoding="utf-8"?>
+<p:sld xmlns:a="http://schemas.openxmlformats.org/drawingml/2006/main" xmlns:r="http://schemas.openxmlformats.org/officeDocument/2006/relationships" xmlns:p="http://schemas.openxmlformats.org/presentationml/2006/main">
+  <p:cSld>
+    <p:spTree>
+      <p:nvGrpSpPr>
+        <p:cNvPr id="1" name=""/>
+        <p:cNvGrpSpPr/>
+        <p:nvPr/>
+      </p:nvGrpSpPr>
+      <p:grpSpPr>
+        <a:xfrm>
+          <a:off x="0" y="0"/>
+          <a:ext cx="0" cy="0"/>
+          <a:chOff x="0" y="0"/>
+          <a:chExt cx="0" cy="0"/>
+        </a:xfrm>
+      </p:grpSpPr>
+      <p:sp>
+        <p:nvSpPr>
+          <p:cNvPr id="2" name="Title 1">
+            <a:extLst>
+              <a:ext uri="{FF2B5EF4-FFF2-40B4-BE49-F238E27FC236}">
+                <a16:creationId xmlns:a16="http://schemas.microsoft.com/office/drawing/2014/main" id="{E8BB59CB-08F9-4AB1-BADA-4024B258C362}"/>
+              </a:ext>
+            </a:extLst>
+          </p:cNvPr>
+          <p:cNvSpPr>
+            <a:spLocks noGrp="1"/>
+          </p:cNvSpPr>
+          <p:nvPr>
+            <p:ph type="title"/>
+          </p:nvPr>
+        </p:nvSpPr>
+        <p:spPr/>
+        <p:txBody>
+          <a:bodyPr/>
+          <a:lstStyle/>
+          <a:p>
+            <a:pPr algn="ctr"/>
+            <a:r>
+              <a:rPr lang="en-GB" dirty="0"/>
+              <a:t>Thank you</a:t>
+            </a:r>
+          </a:p>
+        </p:txBody>
+      </p:sp>
+      <p:sp>
+        <p:nvSpPr>
+          <p:cNvPr id="3" name="Content Placeholder 2">
+            <a:extLst>
+              <a:ext uri="{FF2B5EF4-FFF2-40B4-BE49-F238E27FC236}">
+                <a16:creationId xmlns:a16="http://schemas.microsoft.com/office/drawing/2014/main" id="{DF91C06F-F124-4095-8C7E-1DC3CEDF6F20}"/>
+              </a:ext>
+            </a:extLst>
+          </p:cNvPr>
+          <p:cNvSpPr>
+            <a:spLocks noGrp="1"/>
+          </p:cNvSpPr>
+          <p:nvPr>
+            <p:ph idx="1"/>
+          </p:nvPr>
+        </p:nvSpPr>
+        <p:spPr/>
+        <p:txBody>
+          <a:bodyPr/>
+          <a:lstStyle/>
+          <a:p>
+            <a:r>
+              <a:rPr lang="en-GB" dirty="0"/>
+              <a:t>Instructor: Aqeeb Hussain</a:t>
+            </a:r>
+          </a:p>
+          <a:p>
+            <a:r>
+              <a:rPr lang="en-GB" dirty="0"/>
+              <a:t>GitHub: </a:t>
+            </a:r>
+            <a:r>
+              <a:rPr lang="en-GB" dirty="0">
+                <a:hlinkClick r:id="rId2"/>
+              </a:rPr>
+              <a:t>https://github.com/aqeebhussain122/hpc-offensive-security</a:t>
+            </a:r>
+            <a:r>
+              <a:rPr lang="en-GB" dirty="0"/>
+              <a:t> </a:t>
+            </a:r>
+          </a:p>
+        </p:txBody>
+      </p:sp>
+    </p:spTree>
+    <p:extLst>
+      <p:ext uri="{BB962C8B-B14F-4D97-AF65-F5344CB8AC3E}">
+        <p14:creationId xmlns:p14="http://schemas.microsoft.com/office/powerpoint/2010/main" val="3275367459"/>
       </p:ext>
     </p:extLst>
   </p:cSld>
